--- a/tutorials/pipelines/tut_a_fun_bud/vector files/fig05_big.pptx
+++ b/tutorials/pipelines/tut_a_fun_bud/vector files/fig05_big.pptx
@@ -2975,30 +2975,32 @@
       </p:grpSpPr>
       <p:grpSp>
         <p:nvGrpSpPr>
-          <p:cNvPr id="13" name="Group 12">
+          <p:cNvPr id="14" name="Group 13">
             <a:extLst>
               <a:ext uri="{FF2B5EF4-FFF2-40B4-BE49-F238E27FC236}">
-                <a16:creationId xmlns:a16="http://schemas.microsoft.com/office/drawing/2014/main" id="{C2C46803-7FDE-1810-A70F-4F6235898DAA}"/>
+                <a16:creationId xmlns:a16="http://schemas.microsoft.com/office/drawing/2014/main" id="{A7326651-6FE3-C0D5-A075-F07BB5B8A57C}"/>
               </a:ext>
             </a:extLst>
           </p:cNvPr>
-          <p:cNvGrpSpPr/>
+          <p:cNvGrpSpPr>
+            <a:grpSpLocks noChangeAspect="1"/>
+          </p:cNvGrpSpPr>
           <p:nvPr/>
         </p:nvGrpSpPr>
         <p:grpSpPr>
           <a:xfrm>
-            <a:off x="1" y="-2001"/>
-            <a:ext cx="8778874" cy="5747481"/>
-            <a:chOff x="0" y="-2001"/>
-            <a:chExt cx="8574197" cy="5488401"/>
+            <a:off x="0" y="0"/>
+            <a:ext cx="8786319" cy="5393803"/>
+            <a:chOff x="146885" y="0"/>
+            <a:chExt cx="8937156" cy="5486400"/>
           </a:xfrm>
         </p:grpSpPr>
         <p:pic>
           <p:nvPicPr>
-            <p:cNvPr id="5" name="Picture 4">
+            <p:cNvPr id="12" name="Picture 11">
               <a:extLst>
                 <a:ext uri="{FF2B5EF4-FFF2-40B4-BE49-F238E27FC236}">
-                  <a16:creationId xmlns:a16="http://schemas.microsoft.com/office/drawing/2014/main" id="{6FAB3A37-0E70-313F-7198-922132B19151}"/>
+                  <a16:creationId xmlns:a16="http://schemas.microsoft.com/office/drawing/2014/main" id="{6D077AE3-5771-32D2-A0FF-DE5F30766EFA}"/>
                 </a:ext>
               </a:extLst>
             </p:cNvPr>
@@ -3015,8 +3017,8 @@
           </p:blipFill>
           <p:spPr>
             <a:xfrm>
-              <a:off x="2165329" y="-2001"/>
-              <a:ext cx="2178423" cy="5486400"/>
+              <a:off x="4458253" y="0"/>
+              <a:ext cx="4625788" cy="5486400"/>
             </a:xfrm>
             <a:prstGeom prst="rect">
               <a:avLst/>
@@ -3025,10 +3027,10 @@
         </p:pic>
         <p:pic>
           <p:nvPicPr>
-            <p:cNvPr id="3" name="Picture 2">
+            <p:cNvPr id="9" name="Picture 8">
               <a:extLst>
                 <a:ext uri="{FF2B5EF4-FFF2-40B4-BE49-F238E27FC236}">
-                  <a16:creationId xmlns:a16="http://schemas.microsoft.com/office/drawing/2014/main" id="{74F26FD5-EA5F-A621-67E5-01045BE2F4A3}"/>
+                  <a16:creationId xmlns:a16="http://schemas.microsoft.com/office/drawing/2014/main" id="{3990BBF1-6F35-30A5-CA87-0A8B3BE5268B}"/>
                 </a:ext>
               </a:extLst>
             </p:cNvPr>
@@ -3045,7 +3047,7 @@
           </p:blipFill>
           <p:spPr>
             <a:xfrm>
-              <a:off x="0" y="0"/>
+              <a:off x="2304498" y="0"/>
               <a:ext cx="2173045" cy="5486400"/>
             </a:xfrm>
             <a:prstGeom prst="rect">
@@ -3055,10 +3057,10 @@
         </p:pic>
         <p:pic>
           <p:nvPicPr>
-            <p:cNvPr id="11" name="Picture 10">
+            <p:cNvPr id="7" name="Picture 6">
               <a:extLst>
                 <a:ext uri="{FF2B5EF4-FFF2-40B4-BE49-F238E27FC236}">
-                  <a16:creationId xmlns:a16="http://schemas.microsoft.com/office/drawing/2014/main" id="{6AC91592-AB62-701B-E40B-21D334B74AA7}"/>
+                  <a16:creationId xmlns:a16="http://schemas.microsoft.com/office/drawing/2014/main" id="{8F07D88F-94C6-632D-4346-729BC1415EFA}"/>
                 </a:ext>
               </a:extLst>
             </p:cNvPr>
@@ -3075,8 +3077,8 @@
           </p:blipFill>
           <p:spPr>
             <a:xfrm>
-              <a:off x="4338374" y="0"/>
-              <a:ext cx="4235823" cy="5486400"/>
+              <a:off x="146885" y="0"/>
+              <a:ext cx="2173045" cy="5486400"/>
             </a:xfrm>
             <a:prstGeom prst="rect">
               <a:avLst/>
@@ -3100,7 +3102,7 @@
         </p:nvSpPr>
         <p:spPr>
           <a:xfrm>
-            <a:off x="3852554" y="2616436"/>
+            <a:off x="3730091" y="2529901"/>
             <a:ext cx="508512" cy="508512"/>
           </a:xfrm>
           <a:prstGeom prst="ellipse">
@@ -3165,8 +3167,8 @@
         </p:nvSpPr>
         <p:spPr>
           <a:xfrm>
-            <a:off x="90173" y="2652820"/>
-            <a:ext cx="1738785" cy="217872"/>
+            <a:off x="90173" y="2498878"/>
+            <a:ext cx="1658617" cy="190982"/>
           </a:xfrm>
           <a:prstGeom prst="rect">
             <a:avLst/>
@@ -3287,7 +3289,7 @@
         </p:nvSpPr>
         <p:spPr>
           <a:xfrm>
-            <a:off x="1546763" y="2253244"/>
+            <a:off x="1546763" y="2099302"/>
             <a:ext cx="508512" cy="508512"/>
           </a:xfrm>
           <a:prstGeom prst="ellipse">
@@ -3352,8 +3354,8 @@
         </p:nvSpPr>
         <p:spPr>
           <a:xfrm>
-            <a:off x="3065780" y="2974340"/>
-            <a:ext cx="919480" cy="196215"/>
+            <a:off x="2807970" y="2718435"/>
+            <a:ext cx="878206" cy="131445"/>
           </a:xfrm>
           <a:prstGeom prst="rect">
             <a:avLst/>
